--- a/res/icon.pptx
+++ b/res/icon.pptx
@@ -6,6 +6,7 @@
   </p:sldMasterIdLst>
   <p:sldIdLst>
     <p:sldId id="256" r:id="rId2"/>
+    <p:sldId id="257" r:id="rId3"/>
   </p:sldIdLst>
   <p:sldSz cx="6858000" cy="6858000"/>
   <p:notesSz cx="6858000" cy="9144000"/>
@@ -104,6 +105,11 @@
       </a:defRPr>
     </a:lvl9pPr>
   </p:defaultTextStyle>
+  <p:extLst>
+    <p:ext uri="{EFAFB233-063F-42B5-8137-9DF3F51BA10A}">
+      <p15:sldGuideLst xmlns:p15="http://schemas.microsoft.com/office/powerpoint/2012/main"/>
+    </p:ext>
+  </p:extLst>
 </p:presentation>
 </file>
 
@@ -3549,6 +3555,365 @@
 </p:sld>
 </file>
 
+<file path=ppt/slides/slide2.xml><?xml version="1.0" encoding="utf-8"?>
+<p:sld xmlns:a="http://schemas.openxmlformats.org/drawingml/2006/main" xmlns:r="http://schemas.openxmlformats.org/officeDocument/2006/relationships" xmlns:p="http://schemas.openxmlformats.org/presentationml/2006/main">
+  <p:cSld>
+    <p:spTree>
+      <p:nvGrpSpPr>
+        <p:cNvPr id="1" name=""/>
+        <p:cNvGrpSpPr/>
+        <p:nvPr/>
+      </p:nvGrpSpPr>
+      <p:grpSpPr>
+        <a:xfrm>
+          <a:off x="0" y="0"/>
+          <a:ext cx="0" cy="0"/>
+          <a:chOff x="0" y="0"/>
+          <a:chExt cx="0" cy="0"/>
+        </a:xfrm>
+      </p:grpSpPr>
+      <p:sp>
+        <p:nvSpPr>
+          <p:cNvPr id="55" name="正方形/長方形 54">
+            <a:extLst>
+              <a:ext uri="{FF2B5EF4-FFF2-40B4-BE49-F238E27FC236}">
+                <a16:creationId xmlns:a16="http://schemas.microsoft.com/office/drawing/2014/main" id="{75D9C2BD-0C97-4DF5-964C-D33775337E7A}"/>
+              </a:ext>
+            </a:extLst>
+          </p:cNvPr>
+          <p:cNvSpPr/>
+          <p:nvPr/>
+        </p:nvSpPr>
+        <p:spPr>
+          <a:xfrm>
+            <a:off x="0" y="0"/>
+            <a:ext cx="6858000" cy="6858000"/>
+          </a:xfrm>
+          <a:prstGeom prst="rect">
+            <a:avLst/>
+          </a:prstGeom>
+          <a:noFill/>
+          <a:ln>
+            <a:noFill/>
+          </a:ln>
+        </p:spPr>
+        <p:style>
+          <a:lnRef idx="2">
+            <a:schemeClr val="accent1">
+              <a:shade val="50000"/>
+            </a:schemeClr>
+          </a:lnRef>
+          <a:fillRef idx="1">
+            <a:schemeClr val="accent1"/>
+          </a:fillRef>
+          <a:effectRef idx="0">
+            <a:schemeClr val="accent1"/>
+          </a:effectRef>
+          <a:fontRef idx="minor">
+            <a:schemeClr val="lt1"/>
+          </a:fontRef>
+        </p:style>
+        <p:txBody>
+          <a:bodyPr rtlCol="0" anchor="ctr"/>
+          <a:lstStyle/>
+          <a:p>
+            <a:pPr algn="ctr"/>
+            <a:endParaRPr kumimoji="1" lang="ja-JP" altLang="en-US"/>
+          </a:p>
+        </p:txBody>
+      </p:sp>
+      <p:sp>
+        <p:nvSpPr>
+          <p:cNvPr id="47" name="正方形/長方形 46">
+            <a:extLst>
+              <a:ext uri="{FF2B5EF4-FFF2-40B4-BE49-F238E27FC236}">
+                <a16:creationId xmlns:a16="http://schemas.microsoft.com/office/drawing/2014/main" id="{A2CDE967-907A-4257-98D9-40F199AB6162}"/>
+              </a:ext>
+            </a:extLst>
+          </p:cNvPr>
+          <p:cNvSpPr/>
+          <p:nvPr/>
+        </p:nvSpPr>
+        <p:spPr>
+          <a:xfrm>
+            <a:off x="0" y="0"/>
+            <a:ext cx="6858000" cy="6858000"/>
+          </a:xfrm>
+          <a:prstGeom prst="rect">
+            <a:avLst/>
+          </a:prstGeom>
+          <a:noFill/>
+          <a:ln>
+            <a:noFill/>
+          </a:ln>
+        </p:spPr>
+        <p:style>
+          <a:lnRef idx="2">
+            <a:schemeClr val="accent1">
+              <a:shade val="50000"/>
+            </a:schemeClr>
+          </a:lnRef>
+          <a:fillRef idx="1">
+            <a:schemeClr val="accent1"/>
+          </a:fillRef>
+          <a:effectRef idx="0">
+            <a:schemeClr val="accent1"/>
+          </a:effectRef>
+          <a:fontRef idx="minor">
+            <a:schemeClr val="lt1"/>
+          </a:fontRef>
+        </p:style>
+        <p:txBody>
+          <a:bodyPr rtlCol="0" anchor="ctr"/>
+          <a:lstStyle/>
+          <a:p>
+            <a:pPr algn="ctr"/>
+            <a:endParaRPr kumimoji="1" lang="ja-JP" altLang="en-US"/>
+          </a:p>
+        </p:txBody>
+      </p:sp>
+      <p:grpSp>
+        <p:nvGrpSpPr>
+          <p:cNvPr id="50" name="グループ化 49">
+            <a:extLst>
+              <a:ext uri="{FF2B5EF4-FFF2-40B4-BE49-F238E27FC236}">
+                <a16:creationId xmlns:a16="http://schemas.microsoft.com/office/drawing/2014/main" id="{41A80509-6342-4462-90FC-3B667F88632C}"/>
+              </a:ext>
+            </a:extLst>
+          </p:cNvPr>
+          <p:cNvGrpSpPr/>
+          <p:nvPr/>
+        </p:nvGrpSpPr>
+        <p:grpSpPr>
+          <a:xfrm>
+            <a:off x="859536" y="0"/>
+            <a:ext cx="5998464" cy="6858000"/>
+            <a:chOff x="0" y="0"/>
+            <a:chExt cx="5998464" cy="6858000"/>
+          </a:xfrm>
+        </p:grpSpPr>
+        <p:pic>
+          <p:nvPicPr>
+            <p:cNvPr id="48" name="Picture 4">
+              <a:extLst>
+                <a:ext uri="{FF2B5EF4-FFF2-40B4-BE49-F238E27FC236}">
+                  <a16:creationId xmlns:a16="http://schemas.microsoft.com/office/drawing/2014/main" id="{9584367A-0F17-4306-B103-2D1F1414A3B5}"/>
+                </a:ext>
+              </a:extLst>
+            </p:cNvPr>
+            <p:cNvPicPr>
+              <a:picLocks noChangeAspect="1" noChangeArrowheads="1"/>
+            </p:cNvPicPr>
+            <p:nvPr/>
+          </p:nvPicPr>
+          <p:blipFill rotWithShape="1">
+            <a:blip r:embed="rId2">
+              <a:extLst>
+                <a:ext uri="{BEBA8EAE-BF5A-486C-A8C5-ECC9F3942E4B}">
+                  <a14:imgProps xmlns:a14="http://schemas.microsoft.com/office/drawing/2010/main">
+                    <a14:imgLayer r:embed="rId3">
+                      <a14:imgEffect>
+                        <a14:backgroundRemoval t="10000" b="90000" l="10000" r="90000"/>
+                      </a14:imgEffect>
+                    </a14:imgLayer>
+                  </a14:imgProps>
+                </a:ext>
+                <a:ext uri="{28A0092B-C50C-407E-A947-70E740481C1C}">
+                  <a14:useLocalDpi xmlns:a14="http://schemas.microsoft.com/office/drawing/2010/main" val="0"/>
+                </a:ext>
+              </a:extLst>
+            </a:blip>
+            <a:srcRect r="12534"/>
+            <a:stretch/>
+          </p:blipFill>
+          <p:spPr bwMode="auto">
+            <a:xfrm>
+              <a:off x="0" y="0"/>
+              <a:ext cx="5998464" cy="6858000"/>
+            </a:xfrm>
+            <a:prstGeom prst="rect">
+              <a:avLst/>
+            </a:prstGeom>
+            <a:noFill/>
+            <a:extLst>
+              <a:ext uri="{909E8E84-426E-40DD-AFC4-6F175D3DCCD1}">
+                <a14:hiddenFill xmlns:a14="http://schemas.microsoft.com/office/drawing/2010/main">
+                  <a:solidFill>
+                    <a:srgbClr val="FFFFFF"/>
+                  </a:solidFill>
+                </a14:hiddenFill>
+              </a:ext>
+            </a:extLst>
+          </p:spPr>
+        </p:pic>
+        <p:sp>
+          <p:nvSpPr>
+            <p:cNvPr id="49" name="正方形/長方形 48">
+              <a:extLst>
+                <a:ext uri="{FF2B5EF4-FFF2-40B4-BE49-F238E27FC236}">
+                  <a16:creationId xmlns:a16="http://schemas.microsoft.com/office/drawing/2014/main" id="{48A98428-EFB4-442F-A6CC-AEDE3106EA63}"/>
+                </a:ext>
+              </a:extLst>
+            </p:cNvPr>
+            <p:cNvSpPr/>
+            <p:nvPr/>
+          </p:nvSpPr>
+          <p:spPr>
+            <a:xfrm rot="21002802">
+              <a:off x="1734362" y="3162762"/>
+              <a:ext cx="2370833" cy="1569660"/>
+            </a:xfrm>
+            <a:prstGeom prst="rect">
+              <a:avLst/>
+            </a:prstGeom>
+            <a:noFill/>
+          </p:spPr>
+          <p:txBody>
+            <a:bodyPr wrap="square" lIns="91440" tIns="45720" rIns="91440" bIns="45720">
+              <a:spAutoFit/>
+            </a:bodyPr>
+            <a:lstStyle/>
+            <a:p>
+              <a:pPr algn="ctr"/>
+              <a:r>
+                <a:rPr lang="en-US" altLang="ja-JP" sz="9600" b="0" cap="none" spc="0" dirty="0">
+                  <a:ln w="31750">
+                    <a:solidFill>
+                      <a:schemeClr val="bg1"/>
+                    </a:solidFill>
+                  </a:ln>
+                  <a:gradFill flip="none" rotWithShape="1">
+                    <a:gsLst>
+                      <a:gs pos="0">
+                        <a:schemeClr val="accent1">
+                          <a:lumMod val="5000"/>
+                          <a:lumOff val="95000"/>
+                        </a:schemeClr>
+                      </a:gs>
+                      <a:gs pos="74000">
+                        <a:srgbClr val="00C4CC"/>
+                      </a:gs>
+                      <a:gs pos="83000">
+                        <a:srgbClr val="00A7B3"/>
+                      </a:gs>
+                      <a:gs pos="100000">
+                        <a:srgbClr val="007880"/>
+                      </a:gs>
+                    </a:gsLst>
+                    <a:lin ang="16200000" scaled="1"/>
+                    <a:tileRect/>
+                  </a:gradFill>
+                  <a:effectLst>
+                    <a:outerShdw blurRad="38100" dist="19050" dir="2700000" algn="tl" rotWithShape="0">
+                      <a:schemeClr val="dk1">
+                        <a:alpha val="40000"/>
+                      </a:schemeClr>
+                    </a:outerShdw>
+                  </a:effectLst>
+                  <a:latin typeface="Magneto" panose="04030805050802020D02" pitchFamily="82" charset="0"/>
+                </a:rPr>
+                <a:t>CB</a:t>
+              </a:r>
+              <a:endParaRPr lang="ja-JP" altLang="en-US" sz="9600" b="0" cap="none" spc="0" dirty="0">
+                <a:ln w="31750">
+                  <a:solidFill>
+                    <a:schemeClr val="bg1"/>
+                  </a:solidFill>
+                </a:ln>
+                <a:gradFill flip="none" rotWithShape="1">
+                  <a:gsLst>
+                    <a:gs pos="0">
+                      <a:schemeClr val="accent1">
+                        <a:lumMod val="5000"/>
+                        <a:lumOff val="95000"/>
+                      </a:schemeClr>
+                    </a:gs>
+                    <a:gs pos="74000">
+                      <a:srgbClr val="00C4CC"/>
+                    </a:gs>
+                    <a:gs pos="83000">
+                      <a:srgbClr val="00A7B3"/>
+                    </a:gs>
+                    <a:gs pos="100000">
+                      <a:srgbClr val="007880"/>
+                    </a:gs>
+                  </a:gsLst>
+                  <a:lin ang="16200000" scaled="1"/>
+                  <a:tileRect/>
+                </a:gradFill>
+                <a:effectLst>
+                  <a:outerShdw blurRad="38100" dist="19050" dir="2700000" algn="tl" rotWithShape="0">
+                    <a:schemeClr val="dk1">
+                      <a:alpha val="40000"/>
+                    </a:schemeClr>
+                  </a:outerShdw>
+                </a:effectLst>
+                <a:latin typeface="Magneto" panose="04030805050802020D02" pitchFamily="82" charset="0"/>
+              </a:endParaRPr>
+            </a:p>
+          </p:txBody>
+        </p:sp>
+      </p:grpSp>
+      <p:pic>
+        <p:nvPicPr>
+          <p:cNvPr id="1026" name="Picture 2">
+            <a:extLst>
+              <a:ext uri="{FF2B5EF4-FFF2-40B4-BE49-F238E27FC236}">
+                <a16:creationId xmlns:a16="http://schemas.microsoft.com/office/drawing/2014/main" id="{C4C2B195-409B-42CE-8804-125CFB391D61}"/>
+              </a:ext>
+            </a:extLst>
+          </p:cNvPr>
+          <p:cNvPicPr>
+            <a:picLocks noChangeAspect="1" noChangeArrowheads="1"/>
+          </p:cNvPicPr>
+          <p:nvPr/>
+        </p:nvPicPr>
+        <p:blipFill>
+          <a:blip r:embed="rId4">
+            <a:extLst>
+              <a:ext uri="{28A0092B-C50C-407E-A947-70E740481C1C}">
+                <a14:useLocalDpi xmlns:a14="http://schemas.microsoft.com/office/drawing/2010/main" val="0"/>
+              </a:ext>
+            </a:extLst>
+          </a:blip>
+          <a:srcRect/>
+          <a:stretch>
+            <a:fillRect/>
+          </a:stretch>
+        </p:blipFill>
+        <p:spPr bwMode="auto">
+          <a:xfrm>
+            <a:off x="301753" y="292609"/>
+            <a:ext cx="1999618" cy="1901952"/>
+          </a:xfrm>
+          <a:prstGeom prst="rect">
+            <a:avLst/>
+          </a:prstGeom>
+          <a:noFill/>
+          <a:extLst>
+            <a:ext uri="{909E8E84-426E-40DD-AFC4-6F175D3DCCD1}">
+              <a14:hiddenFill xmlns:a14="http://schemas.microsoft.com/office/drawing/2010/main">
+                <a:solidFill>
+                  <a:srgbClr val="FFFFFF"/>
+                </a:solidFill>
+              </a14:hiddenFill>
+            </a:ext>
+          </a:extLst>
+        </p:spPr>
+      </p:pic>
+    </p:spTree>
+    <p:extLst>
+      <p:ext uri="{BB962C8B-B14F-4D97-AF65-F5344CB8AC3E}">
+        <p14:creationId xmlns:p14="http://schemas.microsoft.com/office/powerpoint/2010/main" val="3885888197"/>
+      </p:ext>
+    </p:extLst>
+  </p:cSld>
+  <p:clrMapOvr>
+    <a:masterClrMapping/>
+  </p:clrMapOvr>
+</p:sld>
+</file>
+
 <file path=ppt/theme/theme1.xml><?xml version="1.0" encoding="utf-8"?>
 <a:theme xmlns:a="http://schemas.openxmlformats.org/drawingml/2006/main" name="Office テーマ">
   <a:themeElements>

--- a/res/icon.pptx
+++ b/res/icon.pptx
@@ -244,7 +244,7 @@
           <a:p>
             <a:fld id="{8F3F4AC1-565D-4971-BD56-DDAB838D8DD0}" type="datetimeFigureOut">
               <a:rPr kumimoji="1" lang="ja-JP" altLang="en-US" smtClean="0"/>
-              <a:t>2021/9/19</a:t>
+              <a:t>2022/1/3</a:t>
             </a:fld>
             <a:endParaRPr kumimoji="1" lang="ja-JP" altLang="en-US"/>
           </a:p>
@@ -446,7 +446,7 @@
           <a:p>
             <a:fld id="{8F3F4AC1-565D-4971-BD56-DDAB838D8DD0}" type="datetimeFigureOut">
               <a:rPr kumimoji="1" lang="ja-JP" altLang="en-US" smtClean="0"/>
-              <a:t>2021/9/19</a:t>
+              <a:t>2022/1/3</a:t>
             </a:fld>
             <a:endParaRPr kumimoji="1" lang="ja-JP" altLang="en-US"/>
           </a:p>
@@ -658,7 +658,7 @@
           <a:p>
             <a:fld id="{8F3F4AC1-565D-4971-BD56-DDAB838D8DD0}" type="datetimeFigureOut">
               <a:rPr kumimoji="1" lang="ja-JP" altLang="en-US" smtClean="0"/>
-              <a:t>2021/9/19</a:t>
+              <a:t>2022/1/3</a:t>
             </a:fld>
             <a:endParaRPr kumimoji="1" lang="ja-JP" altLang="en-US"/>
           </a:p>
@@ -860,7 +860,7 @@
           <a:p>
             <a:fld id="{8F3F4AC1-565D-4971-BD56-DDAB838D8DD0}" type="datetimeFigureOut">
               <a:rPr kumimoji="1" lang="ja-JP" altLang="en-US" smtClean="0"/>
-              <a:t>2021/9/19</a:t>
+              <a:t>2022/1/3</a:t>
             </a:fld>
             <a:endParaRPr kumimoji="1" lang="ja-JP" altLang="en-US"/>
           </a:p>
@@ -1104,7 +1104,7 @@
           <a:p>
             <a:fld id="{8F3F4AC1-565D-4971-BD56-DDAB838D8DD0}" type="datetimeFigureOut">
               <a:rPr kumimoji="1" lang="ja-JP" altLang="en-US" smtClean="0"/>
-              <a:t>2021/9/19</a:t>
+              <a:t>2022/1/3</a:t>
             </a:fld>
             <a:endParaRPr kumimoji="1" lang="ja-JP" altLang="en-US"/>
           </a:p>
@@ -1400,7 +1400,7 @@
           <a:p>
             <a:fld id="{8F3F4AC1-565D-4971-BD56-DDAB838D8DD0}" type="datetimeFigureOut">
               <a:rPr kumimoji="1" lang="ja-JP" altLang="en-US" smtClean="0"/>
-              <a:t>2021/9/19</a:t>
+              <a:t>2022/1/3</a:t>
             </a:fld>
             <a:endParaRPr kumimoji="1" lang="ja-JP" altLang="en-US"/>
           </a:p>
@@ -1831,7 +1831,7 @@
           <a:p>
             <a:fld id="{8F3F4AC1-565D-4971-BD56-DDAB838D8DD0}" type="datetimeFigureOut">
               <a:rPr kumimoji="1" lang="ja-JP" altLang="en-US" smtClean="0"/>
-              <a:t>2021/9/19</a:t>
+              <a:t>2022/1/3</a:t>
             </a:fld>
             <a:endParaRPr kumimoji="1" lang="ja-JP" altLang="en-US"/>
           </a:p>
@@ -1949,7 +1949,7 @@
           <a:p>
             <a:fld id="{8F3F4AC1-565D-4971-BD56-DDAB838D8DD0}" type="datetimeFigureOut">
               <a:rPr kumimoji="1" lang="ja-JP" altLang="en-US" smtClean="0"/>
-              <a:t>2021/9/19</a:t>
+              <a:t>2022/1/3</a:t>
             </a:fld>
             <a:endParaRPr kumimoji="1" lang="ja-JP" altLang="en-US"/>
           </a:p>
@@ -2044,7 +2044,7 @@
           <a:p>
             <a:fld id="{8F3F4AC1-565D-4971-BD56-DDAB838D8DD0}" type="datetimeFigureOut">
               <a:rPr kumimoji="1" lang="ja-JP" altLang="en-US" smtClean="0"/>
-              <a:t>2021/9/19</a:t>
+              <a:t>2022/1/3</a:t>
             </a:fld>
             <a:endParaRPr kumimoji="1" lang="ja-JP" altLang="en-US"/>
           </a:p>
@@ -2353,7 +2353,7 @@
           <a:p>
             <a:fld id="{8F3F4AC1-565D-4971-BD56-DDAB838D8DD0}" type="datetimeFigureOut">
               <a:rPr kumimoji="1" lang="ja-JP" altLang="en-US" smtClean="0"/>
-              <a:t>2021/9/19</a:t>
+              <a:t>2022/1/3</a:t>
             </a:fld>
             <a:endParaRPr kumimoji="1" lang="ja-JP" altLang="en-US"/>
           </a:p>
@@ -2610,7 +2610,7 @@
           <a:p>
             <a:fld id="{8F3F4AC1-565D-4971-BD56-DDAB838D8DD0}" type="datetimeFigureOut">
               <a:rPr kumimoji="1" lang="ja-JP" altLang="en-US" smtClean="0"/>
-              <a:t>2021/9/19</a:t>
+              <a:t>2022/1/3</a:t>
             </a:fld>
             <a:endParaRPr kumimoji="1" lang="ja-JP" altLang="en-US"/>
           </a:p>
@@ -2855,7 +2855,7 @@
           <a:p>
             <a:fld id="{8F3F4AC1-565D-4971-BD56-DDAB838D8DD0}" type="datetimeFigureOut">
               <a:rPr kumimoji="1" lang="ja-JP" altLang="en-US" smtClean="0"/>
-              <a:t>2021/9/19</a:t>
+              <a:t>2022/1/3</a:t>
             </a:fld>
             <a:endParaRPr kumimoji="1" lang="ja-JP" altLang="en-US"/>
           </a:p>
@@ -3708,6 +3708,13 @@
           </p:nvPicPr>
           <p:blipFill rotWithShape="1">
             <a:blip r:embed="rId2">
+              <a:duotone>
+                <a:schemeClr val="accent4">
+                  <a:shade val="45000"/>
+                  <a:satMod val="135000"/>
+                </a:schemeClr>
+                <a:prstClr val="white"/>
+              </a:duotone>
               <a:extLst>
                 <a:ext uri="{BEBA8EAE-BF5A-486C-A8C5-ECC9F3942E4B}">
                   <a14:imgProps xmlns:a14="http://schemas.microsoft.com/office/drawing/2010/main">
